--- a/designs.pptx
+++ b/designs.pptx
@@ -107,6 +107,11 @@
       </a:defRPr>
     </a:lvl9pPr>
   </p:defaultTextStyle>
+  <p:extLst>
+    <p:ext uri="{EFAFB233-063F-42B5-8137-9DF3F51BA10A}">
+      <p15:sldGuideLst xmlns:p15="http://schemas.microsoft.com/office/powerpoint/2012/main"/>
+    </p:ext>
+  </p:extLst>
 </p:presentation>
 </file>
 
@@ -241,7 +246,7 @@
           <a:p>
             <a:fld id="{ED6E0A59-74F8-478C-B1F8-38E54AC6DFA7}" type="datetimeFigureOut">
               <a:rPr lang="es-CO" smtClean="0"/>
-              <a:t>27/03/2018</a:t>
+              <a:t>30/03/2018</a:t>
             </a:fld>
             <a:endParaRPr lang="es-CO"/>
           </a:p>
@@ -411,7 +416,7 @@
           <a:p>
             <a:fld id="{ED6E0A59-74F8-478C-B1F8-38E54AC6DFA7}" type="datetimeFigureOut">
               <a:rPr lang="es-CO" smtClean="0"/>
-              <a:t>27/03/2018</a:t>
+              <a:t>30/03/2018</a:t>
             </a:fld>
             <a:endParaRPr lang="es-CO"/>
           </a:p>
@@ -591,7 +596,7 @@
           <a:p>
             <a:fld id="{ED6E0A59-74F8-478C-B1F8-38E54AC6DFA7}" type="datetimeFigureOut">
               <a:rPr lang="es-CO" smtClean="0"/>
-              <a:t>27/03/2018</a:t>
+              <a:t>30/03/2018</a:t>
             </a:fld>
             <a:endParaRPr lang="es-CO"/>
           </a:p>
@@ -761,7 +766,7 @@
           <a:p>
             <a:fld id="{ED6E0A59-74F8-478C-B1F8-38E54AC6DFA7}" type="datetimeFigureOut">
               <a:rPr lang="es-CO" smtClean="0"/>
-              <a:t>27/03/2018</a:t>
+              <a:t>30/03/2018</a:t>
             </a:fld>
             <a:endParaRPr lang="es-CO"/>
           </a:p>
@@ -1007,7 +1012,7 @@
           <a:p>
             <a:fld id="{ED6E0A59-74F8-478C-B1F8-38E54AC6DFA7}" type="datetimeFigureOut">
               <a:rPr lang="es-CO" smtClean="0"/>
-              <a:t>27/03/2018</a:t>
+              <a:t>30/03/2018</a:t>
             </a:fld>
             <a:endParaRPr lang="es-CO"/>
           </a:p>
@@ -1239,7 +1244,7 @@
           <a:p>
             <a:fld id="{ED6E0A59-74F8-478C-B1F8-38E54AC6DFA7}" type="datetimeFigureOut">
               <a:rPr lang="es-CO" smtClean="0"/>
-              <a:t>27/03/2018</a:t>
+              <a:t>30/03/2018</a:t>
             </a:fld>
             <a:endParaRPr lang="es-CO"/>
           </a:p>
@@ -1606,7 +1611,7 @@
           <a:p>
             <a:fld id="{ED6E0A59-74F8-478C-B1F8-38E54AC6DFA7}" type="datetimeFigureOut">
               <a:rPr lang="es-CO" smtClean="0"/>
-              <a:t>27/03/2018</a:t>
+              <a:t>30/03/2018</a:t>
             </a:fld>
             <a:endParaRPr lang="es-CO"/>
           </a:p>
@@ -1724,7 +1729,7 @@
           <a:p>
             <a:fld id="{ED6E0A59-74F8-478C-B1F8-38E54AC6DFA7}" type="datetimeFigureOut">
               <a:rPr lang="es-CO" smtClean="0"/>
-              <a:t>27/03/2018</a:t>
+              <a:t>30/03/2018</a:t>
             </a:fld>
             <a:endParaRPr lang="es-CO"/>
           </a:p>
@@ -1819,7 +1824,7 @@
           <a:p>
             <a:fld id="{ED6E0A59-74F8-478C-B1F8-38E54AC6DFA7}" type="datetimeFigureOut">
               <a:rPr lang="es-CO" smtClean="0"/>
-              <a:t>27/03/2018</a:t>
+              <a:t>30/03/2018</a:t>
             </a:fld>
             <a:endParaRPr lang="es-CO"/>
           </a:p>
@@ -2096,7 +2101,7 @@
           <a:p>
             <a:fld id="{ED6E0A59-74F8-478C-B1F8-38E54AC6DFA7}" type="datetimeFigureOut">
               <a:rPr lang="es-CO" smtClean="0"/>
-              <a:t>27/03/2018</a:t>
+              <a:t>30/03/2018</a:t>
             </a:fld>
             <a:endParaRPr lang="es-CO"/>
           </a:p>
@@ -2349,7 +2354,7 @@
           <a:p>
             <a:fld id="{ED6E0A59-74F8-478C-B1F8-38E54AC6DFA7}" type="datetimeFigureOut">
               <a:rPr lang="es-CO" smtClean="0"/>
-              <a:t>27/03/2018</a:t>
+              <a:t>30/03/2018</a:t>
             </a:fld>
             <a:endParaRPr lang="es-CO"/>
           </a:p>
@@ -2562,7 +2567,7 @@
           <a:p>
             <a:fld id="{ED6E0A59-74F8-478C-B1F8-38E54AC6DFA7}" type="datetimeFigureOut">
               <a:rPr lang="es-CO" smtClean="0"/>
-              <a:t>27/03/2018</a:t>
+              <a:t>30/03/2018</a:t>
             </a:fld>
             <a:endParaRPr lang="es-CO"/>
           </a:p>
@@ -6381,7 +6386,7 @@
             <a:pPr algn="ctr"/>
             <a:r>
               <a:rPr lang="es-CO" sz="1200" b="1" dirty="0" smtClean="0"/>
-              <a:t>IMPRIMIR</a:t>
+              <a:t>SALIR</a:t>
             </a:r>
             <a:endParaRPr lang="es-CO" sz="1200" b="1" dirty="0"/>
           </a:p>
@@ -6577,6 +6582,170 @@
           </a:prstGeom>
         </p:spPr>
       </p:pic>
+      <p:sp>
+        <p:nvSpPr>
+          <p:cNvPr id="55" name="Rectángulo 54"/>
+          <p:cNvSpPr/>
+          <p:nvPr/>
+        </p:nvSpPr>
+        <p:spPr>
+          <a:xfrm>
+            <a:off x="7879375" y="4153427"/>
+            <a:ext cx="1264625" cy="238839"/>
+          </a:xfrm>
+          <a:prstGeom prst="rect">
+            <a:avLst/>
+          </a:prstGeom>
+          <a:solidFill>
+            <a:schemeClr val="accent4"/>
+          </a:solidFill>
+          <a:ln w="19050">
+            <a:solidFill>
+              <a:schemeClr val="accent2"/>
+            </a:solidFill>
+          </a:ln>
+        </p:spPr>
+        <p:style>
+          <a:lnRef idx="2">
+            <a:schemeClr val="accent1">
+              <a:shade val="50000"/>
+            </a:schemeClr>
+          </a:lnRef>
+          <a:fillRef idx="1">
+            <a:schemeClr val="accent1"/>
+          </a:fillRef>
+          <a:effectRef idx="0">
+            <a:schemeClr val="accent1"/>
+          </a:effectRef>
+          <a:fontRef idx="minor">
+            <a:schemeClr val="lt1"/>
+          </a:fontRef>
+        </p:style>
+        <p:txBody>
+          <a:bodyPr rtlCol="0" anchor="ctr"/>
+          <a:lstStyle/>
+          <a:p>
+            <a:pPr algn="ctr"/>
+            <a:r>
+              <a:rPr lang="es-CO" sz="1200" b="1" dirty="0" smtClean="0">
+                <a:solidFill>
+                  <a:schemeClr val="tx1"/>
+                </a:solidFill>
+              </a:rPr>
+              <a:t>IMPRIMIR</a:t>
+            </a:r>
+            <a:endParaRPr lang="es-CO" sz="1200" b="1" dirty="0">
+              <a:solidFill>
+                <a:schemeClr val="tx1"/>
+              </a:solidFill>
+            </a:endParaRPr>
+          </a:p>
+        </p:txBody>
+      </p:sp>
+      <p:sp>
+        <p:nvSpPr>
+          <p:cNvPr id="63" name="Rectángulo 62"/>
+          <p:cNvSpPr/>
+          <p:nvPr/>
+        </p:nvSpPr>
+        <p:spPr>
+          <a:xfrm>
+            <a:off x="6418387" y="3352558"/>
+            <a:ext cx="1264625" cy="238839"/>
+          </a:xfrm>
+          <a:prstGeom prst="rect">
+            <a:avLst/>
+          </a:prstGeom>
+          <a:solidFill>
+            <a:srgbClr val="A60A15"/>
+          </a:solidFill>
+          <a:ln w="19050">
+            <a:solidFill>
+              <a:srgbClr val="F2303D"/>
+            </a:solidFill>
+          </a:ln>
+        </p:spPr>
+        <p:style>
+          <a:lnRef idx="2">
+            <a:schemeClr val="accent1">
+              <a:shade val="50000"/>
+            </a:schemeClr>
+          </a:lnRef>
+          <a:fillRef idx="1">
+            <a:schemeClr val="accent1"/>
+          </a:fillRef>
+          <a:effectRef idx="0">
+            <a:schemeClr val="accent1"/>
+          </a:effectRef>
+          <a:fontRef idx="minor">
+            <a:schemeClr val="lt1"/>
+          </a:fontRef>
+        </p:style>
+        <p:txBody>
+          <a:bodyPr rtlCol="0" anchor="ctr"/>
+          <a:lstStyle/>
+          <a:p>
+            <a:pPr algn="ctr"/>
+            <a:r>
+              <a:rPr lang="es-CO" sz="1200" b="1" dirty="0" smtClean="0"/>
+              <a:t>ACTUALIZAR</a:t>
+            </a:r>
+            <a:endParaRPr lang="es-CO" sz="1200" b="1" dirty="0"/>
+          </a:p>
+        </p:txBody>
+      </p:sp>
+      <p:sp>
+        <p:nvSpPr>
+          <p:cNvPr id="65" name="Rectángulo 64"/>
+          <p:cNvSpPr/>
+          <p:nvPr/>
+        </p:nvSpPr>
+        <p:spPr>
+          <a:xfrm>
+            <a:off x="6418386" y="3702064"/>
+            <a:ext cx="1264625" cy="238839"/>
+          </a:xfrm>
+          <a:prstGeom prst="rect">
+            <a:avLst/>
+          </a:prstGeom>
+          <a:solidFill>
+            <a:srgbClr val="A60A15"/>
+          </a:solidFill>
+          <a:ln w="19050">
+            <a:solidFill>
+              <a:srgbClr val="F2303D"/>
+            </a:solidFill>
+          </a:ln>
+        </p:spPr>
+        <p:style>
+          <a:lnRef idx="2">
+            <a:schemeClr val="accent1">
+              <a:shade val="50000"/>
+            </a:schemeClr>
+          </a:lnRef>
+          <a:fillRef idx="1">
+            <a:schemeClr val="accent1"/>
+          </a:fillRef>
+          <a:effectRef idx="0">
+            <a:schemeClr val="accent1"/>
+          </a:effectRef>
+          <a:fontRef idx="minor">
+            <a:schemeClr val="lt1"/>
+          </a:fontRef>
+        </p:style>
+        <p:txBody>
+          <a:bodyPr rtlCol="0" anchor="ctr"/>
+          <a:lstStyle/>
+          <a:p>
+            <a:pPr algn="ctr"/>
+            <a:r>
+              <a:rPr lang="es-CO" sz="1200" b="1" dirty="0" smtClean="0"/>
+              <a:t>GUARDAR</a:t>
+            </a:r>
+            <a:endParaRPr lang="es-CO" sz="1200" b="1" dirty="0"/>
+          </a:p>
+        </p:txBody>
+      </p:sp>
     </p:spTree>
     <p:extLst>
       <p:ext uri="{BB962C8B-B14F-4D97-AF65-F5344CB8AC3E}">

--- a/designs.pptx
+++ b/designs.pptx
@@ -9,6 +9,7 @@
     <p:sldId id="257" r:id="rId3"/>
     <p:sldId id="258" r:id="rId4"/>
     <p:sldId id="259" r:id="rId5"/>
+    <p:sldId id="260" r:id="rId6"/>
   </p:sldIdLst>
   <p:sldSz cx="12192000" cy="6858000"/>
   <p:notesSz cx="6858000" cy="9144000"/>
@@ -246,7 +247,7 @@
           <a:p>
             <a:fld id="{ED6E0A59-74F8-478C-B1F8-38E54AC6DFA7}" type="datetimeFigureOut">
               <a:rPr lang="es-CO" smtClean="0"/>
-              <a:t>30/03/2018</a:t>
+              <a:t>1/04/2018</a:t>
             </a:fld>
             <a:endParaRPr lang="es-CO"/>
           </a:p>
@@ -416,7 +417,7 @@
           <a:p>
             <a:fld id="{ED6E0A59-74F8-478C-B1F8-38E54AC6DFA7}" type="datetimeFigureOut">
               <a:rPr lang="es-CO" smtClean="0"/>
-              <a:t>30/03/2018</a:t>
+              <a:t>1/04/2018</a:t>
             </a:fld>
             <a:endParaRPr lang="es-CO"/>
           </a:p>
@@ -596,7 +597,7 @@
           <a:p>
             <a:fld id="{ED6E0A59-74F8-478C-B1F8-38E54AC6DFA7}" type="datetimeFigureOut">
               <a:rPr lang="es-CO" smtClean="0"/>
-              <a:t>30/03/2018</a:t>
+              <a:t>1/04/2018</a:t>
             </a:fld>
             <a:endParaRPr lang="es-CO"/>
           </a:p>
@@ -766,7 +767,7 @@
           <a:p>
             <a:fld id="{ED6E0A59-74F8-478C-B1F8-38E54AC6DFA7}" type="datetimeFigureOut">
               <a:rPr lang="es-CO" smtClean="0"/>
-              <a:t>30/03/2018</a:t>
+              <a:t>1/04/2018</a:t>
             </a:fld>
             <a:endParaRPr lang="es-CO"/>
           </a:p>
@@ -1012,7 +1013,7 @@
           <a:p>
             <a:fld id="{ED6E0A59-74F8-478C-B1F8-38E54AC6DFA7}" type="datetimeFigureOut">
               <a:rPr lang="es-CO" smtClean="0"/>
-              <a:t>30/03/2018</a:t>
+              <a:t>1/04/2018</a:t>
             </a:fld>
             <a:endParaRPr lang="es-CO"/>
           </a:p>
@@ -1244,7 +1245,7 @@
           <a:p>
             <a:fld id="{ED6E0A59-74F8-478C-B1F8-38E54AC6DFA7}" type="datetimeFigureOut">
               <a:rPr lang="es-CO" smtClean="0"/>
-              <a:t>30/03/2018</a:t>
+              <a:t>1/04/2018</a:t>
             </a:fld>
             <a:endParaRPr lang="es-CO"/>
           </a:p>
@@ -1611,7 +1612,7 @@
           <a:p>
             <a:fld id="{ED6E0A59-74F8-478C-B1F8-38E54AC6DFA7}" type="datetimeFigureOut">
               <a:rPr lang="es-CO" smtClean="0"/>
-              <a:t>30/03/2018</a:t>
+              <a:t>1/04/2018</a:t>
             </a:fld>
             <a:endParaRPr lang="es-CO"/>
           </a:p>
@@ -1729,7 +1730,7 @@
           <a:p>
             <a:fld id="{ED6E0A59-74F8-478C-B1F8-38E54AC6DFA7}" type="datetimeFigureOut">
               <a:rPr lang="es-CO" smtClean="0"/>
-              <a:t>30/03/2018</a:t>
+              <a:t>1/04/2018</a:t>
             </a:fld>
             <a:endParaRPr lang="es-CO"/>
           </a:p>
@@ -1824,7 +1825,7 @@
           <a:p>
             <a:fld id="{ED6E0A59-74F8-478C-B1F8-38E54AC6DFA7}" type="datetimeFigureOut">
               <a:rPr lang="es-CO" smtClean="0"/>
-              <a:t>30/03/2018</a:t>
+              <a:t>1/04/2018</a:t>
             </a:fld>
             <a:endParaRPr lang="es-CO"/>
           </a:p>
@@ -2101,7 +2102,7 @@
           <a:p>
             <a:fld id="{ED6E0A59-74F8-478C-B1F8-38E54AC6DFA7}" type="datetimeFigureOut">
               <a:rPr lang="es-CO" smtClean="0"/>
-              <a:t>30/03/2018</a:t>
+              <a:t>1/04/2018</a:t>
             </a:fld>
             <a:endParaRPr lang="es-CO"/>
           </a:p>
@@ -2354,7 +2355,7 @@
           <a:p>
             <a:fld id="{ED6E0A59-74F8-478C-B1F8-38E54AC6DFA7}" type="datetimeFigureOut">
               <a:rPr lang="es-CO" smtClean="0"/>
-              <a:t>30/03/2018</a:t>
+              <a:t>1/04/2018</a:t>
             </a:fld>
             <a:endParaRPr lang="es-CO"/>
           </a:p>
@@ -2567,7 +2568,7 @@
           <a:p>
             <a:fld id="{ED6E0A59-74F8-478C-B1F8-38E54AC6DFA7}" type="datetimeFigureOut">
               <a:rPr lang="es-CO" smtClean="0"/>
-              <a:t>30/03/2018</a:t>
+              <a:t>1/04/2018</a:t>
             </a:fld>
             <a:endParaRPr lang="es-CO"/>
           </a:p>
@@ -6746,6 +6747,58 @@
           </a:p>
         </p:txBody>
       </p:sp>
+      <p:sp>
+        <p:nvSpPr>
+          <p:cNvPr id="66" name="Rectángulo 65"/>
+          <p:cNvSpPr/>
+          <p:nvPr/>
+        </p:nvSpPr>
+        <p:spPr>
+          <a:xfrm>
+            <a:off x="6393622" y="4153427"/>
+            <a:ext cx="1264625" cy="238839"/>
+          </a:xfrm>
+          <a:prstGeom prst="rect">
+            <a:avLst/>
+          </a:prstGeom>
+          <a:solidFill>
+            <a:srgbClr val="A60A15"/>
+          </a:solidFill>
+          <a:ln w="19050">
+            <a:solidFill>
+              <a:srgbClr val="F2303D"/>
+            </a:solidFill>
+          </a:ln>
+        </p:spPr>
+        <p:style>
+          <a:lnRef idx="2">
+            <a:schemeClr val="accent1">
+              <a:shade val="50000"/>
+            </a:schemeClr>
+          </a:lnRef>
+          <a:fillRef idx="1">
+            <a:schemeClr val="accent1"/>
+          </a:fillRef>
+          <a:effectRef idx="0">
+            <a:schemeClr val="accent1"/>
+          </a:effectRef>
+          <a:fontRef idx="minor">
+            <a:schemeClr val="lt1"/>
+          </a:fontRef>
+        </p:style>
+        <p:txBody>
+          <a:bodyPr rtlCol="0" anchor="ctr"/>
+          <a:lstStyle/>
+          <a:p>
+            <a:pPr algn="ctr"/>
+            <a:r>
+              <a:rPr lang="es-CO" sz="1200" b="1" dirty="0" smtClean="0"/>
+              <a:t>ABONAR</a:t>
+            </a:r>
+            <a:endParaRPr lang="es-CO" sz="1200" b="1" dirty="0"/>
+          </a:p>
+        </p:txBody>
+      </p:sp>
     </p:spTree>
     <p:extLst>
       <p:ext uri="{BB962C8B-B14F-4D97-AF65-F5344CB8AC3E}">
@@ -7121,6 +7174,121 @@
     <p:extLst>
       <p:ext uri="{BB962C8B-B14F-4D97-AF65-F5344CB8AC3E}">
         <p14:creationId xmlns:p14="http://schemas.microsoft.com/office/powerpoint/2010/main" val="674551345"/>
+      </p:ext>
+    </p:extLst>
+  </p:cSld>
+  <p:clrMapOvr>
+    <a:masterClrMapping/>
+  </p:clrMapOvr>
+  <p:timing>
+    <p:tnLst>
+      <p:par>
+        <p:cTn id="1" dur="indefinite" restart="never" nodeType="tmRoot"/>
+      </p:par>
+    </p:tnLst>
+  </p:timing>
+</p:sld>
+</file>
+
+<file path=ppt/slides/slide5.xml><?xml version="1.0" encoding="utf-8"?>
+<p:sld xmlns:a="http://schemas.openxmlformats.org/drawingml/2006/main" xmlns:r="http://schemas.openxmlformats.org/officeDocument/2006/relationships" xmlns:p="http://schemas.openxmlformats.org/presentationml/2006/main">
+  <p:cSld>
+    <p:spTree>
+      <p:nvGrpSpPr>
+        <p:cNvPr id="1" name=""/>
+        <p:cNvGrpSpPr/>
+        <p:nvPr/>
+      </p:nvGrpSpPr>
+      <p:grpSpPr>
+        <a:xfrm>
+          <a:off x="0" y="0"/>
+          <a:ext cx="0" cy="0"/>
+          <a:chOff x="0" y="0"/>
+          <a:chExt cx="0" cy="0"/>
+        </a:xfrm>
+      </p:grpSpPr>
+      <p:pic>
+        <p:nvPicPr>
+          <p:cNvPr id="4" name="Imagen 3"/>
+          <p:cNvPicPr>
+            <a:picLocks noChangeAspect="1"/>
+          </p:cNvPicPr>
+          <p:nvPr/>
+        </p:nvPicPr>
+        <p:blipFill>
+          <a:blip r:embed="rId2"/>
+          <a:stretch>
+            <a:fillRect/>
+          </a:stretch>
+        </p:blipFill>
+        <p:spPr>
+          <a:xfrm>
+            <a:off x="3790581" y="3496655"/>
+            <a:ext cx="2206800" cy="496738"/>
+          </a:xfrm>
+          <a:prstGeom prst="rect">
+            <a:avLst/>
+          </a:prstGeom>
+        </p:spPr>
+      </p:pic>
+      <p:pic>
+        <p:nvPicPr>
+          <p:cNvPr id="5" name="Imagen 4"/>
+          <p:cNvPicPr>
+            <a:picLocks noChangeAspect="1"/>
+          </p:cNvPicPr>
+          <p:nvPr/>
+        </p:nvPicPr>
+        <p:blipFill>
+          <a:blip r:embed="rId3"/>
+          <a:stretch>
+            <a:fillRect/>
+          </a:stretch>
+        </p:blipFill>
+        <p:spPr>
+          <a:xfrm>
+            <a:off x="2408493" y="772046"/>
+            <a:ext cx="2207957" cy="841743"/>
+          </a:xfrm>
+          <a:prstGeom prst="rect">
+            <a:avLst/>
+          </a:prstGeom>
+        </p:spPr>
+      </p:pic>
+      <p:pic>
+        <p:nvPicPr>
+          <p:cNvPr id="6" name="Imagen 5"/>
+          <p:cNvPicPr>
+            <a:picLocks noChangeAspect="1"/>
+          </p:cNvPicPr>
+          <p:nvPr/>
+        </p:nvPicPr>
+        <p:blipFill>
+          <a:blip r:embed="rId4" cstate="print">
+            <a:extLst>
+              <a:ext uri="{28A0092B-C50C-407E-A947-70E740481C1C}">
+                <a14:useLocalDpi xmlns:a14="http://schemas.microsoft.com/office/drawing/2010/main" val="0"/>
+              </a:ext>
+            </a:extLst>
+          </a:blip>
+          <a:stretch>
+            <a:fillRect/>
+          </a:stretch>
+        </p:blipFill>
+        <p:spPr>
+          <a:xfrm>
+            <a:off x="7187181" y="3709928"/>
+            <a:ext cx="2465837" cy="566929"/>
+          </a:xfrm>
+          <a:prstGeom prst="rect">
+            <a:avLst/>
+          </a:prstGeom>
+        </p:spPr>
+      </p:pic>
+    </p:spTree>
+    <p:extLst>
+      <p:ext uri="{BB962C8B-B14F-4D97-AF65-F5344CB8AC3E}">
+        <p14:creationId xmlns:p14="http://schemas.microsoft.com/office/powerpoint/2010/main" val="1898100953"/>
       </p:ext>
     </p:extLst>
   </p:cSld>
